--- a/s o u t e n a n c e/PRESENTATION-SergiyMirochnyk-_3_08052021.pptx
+++ b/s o u t e n a n c e/PRESENTATION-SergiyMirochnyk-_3_08052021.pptx
@@ -3788,7 +3788,14 @@
                 <a:latin typeface="Consolas" panose="020B0609020204030204" pitchFamily="49" charset="0"/>
                 <a:cs typeface="Arial" panose="020B0604020202020204" pitchFamily="34" charset="0"/>
               </a:rPr>
-              <a:t>3) et puis l’envoi de mon dossier P3 à la soutenance</a:t>
+              <a:t>3) et puis l’envoi de mon dossier P3 à </a:t>
+            </a:r>
+            <a:r>
+              <a:rPr lang="fr-FR" sz="1400">
+                <a:latin typeface="Consolas" panose="020B0609020204030204" pitchFamily="49" charset="0"/>
+                <a:cs typeface="Arial" panose="020B0604020202020204" pitchFamily="34" charset="0"/>
+              </a:rPr>
+              <a:t>la soutenance</a:t>
             </a:r>
             <a:endParaRPr lang="ru-RU" sz="1400" dirty="0">
               <a:latin typeface="Consolas" panose="020B0609020204030204" pitchFamily="49" charset="0"/>
@@ -3842,13 +3849,13 @@
   <p:clrMapOvr>
     <a:masterClrMapping/>
   </p:clrMapOvr>
-  <mc:AlternateContent xmlns:mc="http://schemas.openxmlformats.org/markup-compatibility/2006">
-    <mc:Choice xmlns:p14="http://schemas.microsoft.com/office/powerpoint/2010/main" Requires="p14">
+  <mc:AlternateContent xmlns:mc="http://schemas.openxmlformats.org/markup-compatibility/2006" xmlns:p14="http://schemas.microsoft.com/office/powerpoint/2010/main">
+    <mc:Choice Requires="p14">
       <p:transition spd="slow" p14:dur="800">
         <p:circle/>
       </p:transition>
     </mc:Choice>
-    <mc:Fallback>
+    <mc:Fallback xmlns="">
       <p:transition spd="slow">
         <p:circle/>
       </p:transition>
@@ -3919,13 +3926,13 @@
   <p:clrMapOvr>
     <a:masterClrMapping/>
   </p:clrMapOvr>
-  <mc:AlternateContent xmlns:mc="http://schemas.openxmlformats.org/markup-compatibility/2006">
-    <mc:Choice xmlns:p14="http://schemas.microsoft.com/office/powerpoint/2010/main" Requires="p14">
+  <mc:AlternateContent xmlns:mc="http://schemas.openxmlformats.org/markup-compatibility/2006" xmlns:p14="http://schemas.microsoft.com/office/powerpoint/2010/main">
+    <mc:Choice Requires="p14">
       <p:transition spd="slow" p14:dur="800">
         <p:circle/>
       </p:transition>
     </mc:Choice>
-    <mc:Fallback>
+    <mc:Fallback xmlns="">
       <p:transition spd="slow">
         <p:circle/>
       </p:transition>
@@ -4587,13 +4594,13 @@
   <p:clrMapOvr>
     <a:masterClrMapping/>
   </p:clrMapOvr>
-  <mc:AlternateContent xmlns:mc="http://schemas.openxmlformats.org/markup-compatibility/2006">
-    <mc:Choice xmlns:p14="http://schemas.microsoft.com/office/powerpoint/2010/main" Requires="p14">
+  <mc:AlternateContent xmlns:mc="http://schemas.openxmlformats.org/markup-compatibility/2006" xmlns:p14="http://schemas.microsoft.com/office/powerpoint/2010/main">
+    <mc:Choice Requires="p14">
       <p:transition spd="slow" p14:dur="800">
         <p:circle/>
       </p:transition>
     </mc:Choice>
-    <mc:Fallback>
+    <mc:Fallback xmlns="">
       <p:transition spd="slow">
         <p:circle/>
       </p:transition>
@@ -4764,13 +4771,13 @@
   <p:clrMapOvr>
     <a:masterClrMapping/>
   </p:clrMapOvr>
-  <mc:AlternateContent xmlns:mc="http://schemas.openxmlformats.org/markup-compatibility/2006">
-    <mc:Choice xmlns:p14="http://schemas.microsoft.com/office/powerpoint/2010/main" Requires="p14">
+  <mc:AlternateContent xmlns:mc="http://schemas.openxmlformats.org/markup-compatibility/2006" xmlns:p14="http://schemas.microsoft.com/office/powerpoint/2010/main">
+    <mc:Choice Requires="p14">
       <p:transition spd="slow" p14:dur="800">
         <p:circle/>
       </p:transition>
     </mc:Choice>
-    <mc:Fallback>
+    <mc:Fallback xmlns="">
       <p:transition spd="slow">
         <p:circle/>
       </p:transition>
@@ -4841,13 +4848,13 @@
   <p:clrMapOvr>
     <a:masterClrMapping/>
   </p:clrMapOvr>
-  <mc:AlternateContent xmlns:mc="http://schemas.openxmlformats.org/markup-compatibility/2006">
-    <mc:Choice xmlns:p14="http://schemas.microsoft.com/office/powerpoint/2010/main" Requires="p14">
+  <mc:AlternateContent xmlns:mc="http://schemas.openxmlformats.org/markup-compatibility/2006" xmlns:p14="http://schemas.microsoft.com/office/powerpoint/2010/main">
+    <mc:Choice Requires="p14">
       <p:transition spd="slow" p14:dur="800">
         <p:circle/>
       </p:transition>
     </mc:Choice>
-    <mc:Fallback>
+    <mc:Fallback xmlns="">
       <p:transition spd="slow">
         <p:circle/>
       </p:transition>
@@ -5082,13 +5089,13 @@
   <p:clrMapOvr>
     <a:masterClrMapping/>
   </p:clrMapOvr>
-  <mc:AlternateContent xmlns:mc="http://schemas.openxmlformats.org/markup-compatibility/2006">
-    <mc:Choice xmlns:p14="http://schemas.microsoft.com/office/powerpoint/2010/main" Requires="p14">
+  <mc:AlternateContent xmlns:mc="http://schemas.openxmlformats.org/markup-compatibility/2006" xmlns:p14="http://schemas.microsoft.com/office/powerpoint/2010/main">
+    <mc:Choice Requires="p14">
       <p:transition spd="slow" p14:dur="800">
         <p:circle/>
       </p:transition>
     </mc:Choice>
-    <mc:Fallback>
+    <mc:Fallback xmlns="">
       <p:transition spd="slow">
         <p:circle/>
       </p:transition>
